--- a/Classes/20221120.pptx
+++ b/Classes/20221120.pptx
@@ -7011,9 +7011,29 @@
               <a:rPr lang="en-US" altLang="zh-CN" sz="2000" b="1" dirty="0"/>
             </a:br>
             <a:r>
-              <a:rPr lang="en-US" altLang="zh-CN" sz="2000" b="1" dirty="0"/>
+              <a:rPr lang="en-US" altLang="zh-CN" sz="2000" b="1"/>
               <a:t> </a:t>
             </a:r>
+            <a:br>
+              <a:rPr lang="en-US" altLang="zh-CN" sz="2000" b="1"/>
+            </a:br>
+            <a:r>
+              <a:rPr lang="en-US" altLang="zh-CN" sz="2000" b="1"/>
+              <a:t>Install: VS Code </a:t>
+            </a:r>
+            <a:r>
+              <a:rPr lang="en-US" altLang="zh-CN" sz="2000" b="1">
+                <a:hlinkClick r:id="rId2"/>
+              </a:rPr>
+              <a:t>https://code.visualstudio.com/download</a:t>
+            </a:r>
+            <a:r>
+              <a:rPr lang="en-US" altLang="zh-CN" sz="2000" b="1"/>
+              <a:t> </a:t>
+            </a:r>
+            <a:br>
+              <a:rPr lang="en-US" altLang="zh-CN" sz="2000" b="1"/>
+            </a:br>
             <a:br>
               <a:rPr lang="en-US" altLang="zh-CN" sz="2000" b="1" dirty="0"/>
             </a:br>

--- a/Classes/20221120.pptx
+++ b/Classes/20221120.pptx
@@ -6978,8 +6978,8 @@
         </p:nvSpPr>
         <p:spPr>
           <a:xfrm>
-            <a:off x="0" y="857251"/>
-            <a:ext cx="9143999" cy="3982378"/>
+            <a:off x="0" y="857250"/>
+            <a:ext cx="9143999" cy="5143499"/>
           </a:xfrm>
         </p:spPr>
         <p:txBody>
@@ -7011,28 +7011,28 @@
               <a:rPr lang="en-US" altLang="zh-CN" sz="2000" b="1" dirty="0"/>
             </a:br>
             <a:r>
-              <a:rPr lang="en-US" altLang="zh-CN" sz="2000" b="1"/>
+              <a:rPr lang="en-US" altLang="zh-CN" sz="2000" b="1" dirty="0"/>
               <a:t> </a:t>
             </a:r>
             <a:br>
-              <a:rPr lang="en-US" altLang="zh-CN" sz="2000" b="1"/>
+              <a:rPr lang="en-US" altLang="zh-CN" sz="2000" b="1" dirty="0"/>
             </a:br>
             <a:r>
-              <a:rPr lang="en-US" altLang="zh-CN" sz="2000" b="1"/>
+              <a:rPr lang="en-US" altLang="zh-CN" sz="2000" b="1" dirty="0"/>
               <a:t>Install: VS Code </a:t>
             </a:r>
             <a:r>
-              <a:rPr lang="en-US" altLang="zh-CN" sz="2000" b="1">
+              <a:rPr lang="en-US" altLang="zh-CN" sz="2000" b="1" dirty="0">
                 <a:hlinkClick r:id="rId2"/>
               </a:rPr>
               <a:t>https://code.visualstudio.com/download</a:t>
             </a:r>
             <a:r>
-              <a:rPr lang="en-US" altLang="zh-CN" sz="2000" b="1"/>
+              <a:rPr lang="en-US" altLang="zh-CN" sz="2000" b="1" dirty="0"/>
               <a:t> </a:t>
             </a:r>
             <a:br>
-              <a:rPr lang="en-US" altLang="zh-CN" sz="2000" b="1"/>
+              <a:rPr lang="en-US" altLang="zh-CN" sz="2000" b="1" dirty="0"/>
             </a:br>
             <a:br>
               <a:rPr lang="en-US" altLang="zh-CN" sz="2000" b="1" dirty="0"/>
@@ -7057,11 +7057,8 @@
             </a:br>
             <a:r>
               <a:rPr lang="en-US" altLang="zh-CN" sz="2000" b="1" dirty="0"/>
-              <a:t>3. DTW and other concepts</a:t>
-            </a:r>
-            <a:br>
-              <a:rPr lang="en-US" altLang="zh-CN" sz="2000" b="1" dirty="0"/>
-            </a:br>
+              <a:t>3. DTW and other concepts </a:t>
+            </a:r>
             <a:br>
               <a:rPr lang="en-US" altLang="zh-CN" sz="2000" b="1" dirty="0"/>
             </a:br>

--- a/Classes/20221120.pptx
+++ b/Classes/20221120.pptx
@@ -7030,6 +7030,41 @@
             <a:r>
               <a:rPr lang="en-US" altLang="zh-CN" sz="2000" b="1" dirty="0"/>
               <a:t> </a:t>
+            </a:r>
+            <a:br>
+              <a:rPr lang="en-US" altLang="zh-CN" sz="2000" b="1" dirty="0"/>
+            </a:br>
+            <a:r>
+              <a:rPr lang="en-US" altLang="zh-CN" sz="2000" b="1" dirty="0" err="1"/>
+              <a:t>Pypi</a:t>
+            </a:r>
+            <a:r>
+              <a:rPr lang="en-US" altLang="zh-CN" sz="2000" b="1" dirty="0"/>
+              <a:t>: pip install  </a:t>
+            </a:r>
+            <a:r>
+              <a:rPr lang="en-US" altLang="zh-CN" sz="2000" b="1" dirty="0" err="1"/>
+              <a:t>catboost</a:t>
+            </a:r>
+            <a:r>
+              <a:rPr lang="en-US" altLang="zh-CN" sz="2000" b="1" dirty="0"/>
+              <a:t>, </a:t>
+            </a:r>
+            <a:r>
+              <a:rPr lang="en-US" altLang="zh-CN" sz="2000" b="1" dirty="0" err="1"/>
+              <a:t>lightgbm</a:t>
+            </a:r>
+            <a:r>
+              <a:rPr lang="en-US" altLang="zh-CN" sz="2000" b="1" dirty="0"/>
+              <a:t>, </a:t>
+            </a:r>
+            <a:r>
+              <a:rPr lang="en-US" altLang="zh-CN" sz="2000" b="1" dirty="0" err="1"/>
+              <a:t>dtaidistance</a:t>
+            </a:r>
+            <a:r>
+              <a:rPr lang="en-US" altLang="zh-CN" sz="2000" b="1" dirty="0"/>
+              <a:t>, kneed </a:t>
             </a:r>
             <a:br>
               <a:rPr lang="en-US" altLang="zh-CN" sz="2000" b="1" dirty="0"/>

--- a/Classes/20221120.pptx
+++ b/Classes/20221120.pptx
@@ -6431,7 +6431,7 @@
         </p:blipFill>
         <p:spPr>
           <a:xfrm>
-            <a:off x="0" y="1483378"/>
+            <a:off x="89210" y="1851001"/>
             <a:ext cx="9144000" cy="3891243"/>
           </a:xfrm>
           <a:prstGeom prst="rect">
